--- a/score_card_Progress.pptx
+++ b/score_card_Progress.pptx
@@ -371,7 +371,7 @@
             <a:fld id="{D4C110CA-FC68-43DA-BD62-0A387A11A067}" type="datetimeFigureOut">
               <a:rPr lang="en-US" smtClean="0"/>
               <a:pPr/>
-              <a:t>10/5/23</a:t>
+              <a:t>10/18/23</a:t>
             </a:fld>
             <a:endParaRPr lang="en-US"/>
           </a:p>
@@ -791,7 +791,7 @@
             <a:fld id="{D4C110CA-FC68-43DA-BD62-0A387A11A067}" type="datetimeFigureOut">
               <a:rPr lang="en-US" smtClean="0"/>
               <a:pPr/>
-              <a:t>10/5/23</a:t>
+              <a:t>10/18/23</a:t>
             </a:fld>
             <a:endParaRPr lang="en-US"/>
           </a:p>
@@ -1420,7 +1420,7 @@
           <a:p>
             <a:fld id="{569D7F56-AB9D-45DF-9F98-942E1E722FC5}" type="datetime1">
               <a:rPr lang="en-US" smtClean="0"/>
-              <a:t>10/5/23</a:t>
+              <a:t>10/18/23</a:t>
             </a:fld>
             <a:endParaRPr lang="en-US"/>
           </a:p>
@@ -1748,7 +1748,7 @@
           <a:p>
             <a:fld id="{9C30D75E-8EE4-4FE8-BC40-DEE6124551E3}" type="datetime1">
               <a:rPr lang="en-US" smtClean="0"/>
-              <a:t>10/5/23</a:t>
+              <a:t>10/18/23</a:t>
             </a:fld>
             <a:endParaRPr lang="en-US"/>
           </a:p>
@@ -2931,14 +2931,14 @@
           <p:nvPr>
             <p:extLst>
               <p:ext uri="{D42A27DB-BD31-4B8C-83A1-F6EECF244321}">
-                <p14:modId xmlns:p14="http://schemas.microsoft.com/office/powerpoint/2010/main" val="1209983757"/>
+                <p14:modId xmlns:p14="http://schemas.microsoft.com/office/powerpoint/2010/main" val="4030390584"/>
               </p:ext>
             </p:extLst>
           </p:nvPr>
         </p:nvGraphicFramePr>
         <p:xfrm>
           <a:off x="217730" y="5235326"/>
-          <a:ext cx="6377379" cy="1240192"/>
+          <a:ext cx="6377379" cy="1565680"/>
         </p:xfrm>
         <a:graphic>
           <a:graphicData uri="http://schemas.openxmlformats.org/drawingml/2006/table">
@@ -3037,22 +3037,108 @@
                         <a:defRPr/>
                       </a:pPr>
                       <a:r>
-                        <a:rPr lang="en-GB" sz="1000" b="1" dirty="0">
+                        <a:rPr lang="en-GB" sz="1000" b="1" i="0" u="none" strike="noStrike" kern="1200" cap="none" spc="0" normalizeH="0" baseline="0" noProof="0" dirty="0">
+                          <a:ln>
+                            <a:noFill/>
+                          </a:ln>
+                          <a:effectLst/>
+                          <a:uLnTx/>
+                          <a:uFillTx/>
                           <a:latin typeface="+mn-lt"/>
                           <a:cs typeface="+mn-cs"/>
                         </a:rPr>
-                        <a:t>[what is the business value of your project]</a:t>
+                        <a:t>Nutrition companies and medical companies can design products that are more acceptable and effective for obese population based on their dietary habits</a:t>
                       </a:r>
-                      <a:endParaRPr lang="en-GB" sz="1000" b="1" i="0" u="none" strike="noStrike" kern="1200" cap="none" spc="0" normalizeH="0" baseline="0" noProof="0" dirty="0">
-                        <a:ln>
-                          <a:noFill/>
-                        </a:ln>
-                        <a:effectLst/>
-                        <a:uLnTx/>
-                        <a:uFillTx/>
-                        <a:latin typeface="+mn-lt"/>
-                        <a:cs typeface="+mn-cs"/>
-                      </a:endParaRPr>
+                    </a:p>
+                    <a:p>
+                      <a:pPr marL="112395" marR="0" lvl="0" indent="-112395" algn="l" defTabSz="914400" rtl="0" eaLnBrk="1" fontAlgn="base" latinLnBrk="0" hangingPunct="1">
+                        <a:lnSpc>
+                          <a:spcPct val="100000"/>
+                        </a:lnSpc>
+                        <a:spcBef>
+                          <a:spcPct val="0"/>
+                        </a:spcBef>
+                        <a:spcAft>
+                          <a:spcPct val="25000"/>
+                        </a:spcAft>
+                        <a:buClrTx/>
+                        <a:buSzTx/>
+                        <a:buFont typeface="Wingdings" pitchFamily="2" charset="2"/>
+                        <a:buChar char="§"/>
+                        <a:tabLst/>
+                        <a:defRPr/>
+                      </a:pPr>
+                      <a:r>
+                        <a:rPr lang="en-GB" sz="1000" b="1" i="0" u="none" strike="noStrike" kern="1200" cap="none" spc="0" normalizeH="0" baseline="0" noProof="0" dirty="0">
+                          <a:ln>
+                            <a:noFill/>
+                          </a:ln>
+                          <a:effectLst/>
+                          <a:uLnTx/>
+                          <a:uFillTx/>
+                          <a:latin typeface="+mn-lt"/>
+                          <a:cs typeface="+mn-cs"/>
+                        </a:rPr>
+                        <a:t>Rehabilitation </a:t>
+                      </a:r>
+                      <a:r>
+                        <a:rPr lang="en-GB" sz="1000" b="1" i="0" u="none" strike="noStrike" kern="1200" cap="none" spc="0" normalizeH="0" baseline="0" noProof="0" dirty="0" err="1">
+                          <a:ln>
+                            <a:noFill/>
+                          </a:ln>
+                          <a:effectLst/>
+                          <a:uLnTx/>
+                          <a:uFillTx/>
+                          <a:latin typeface="+mn-lt"/>
+                          <a:cs typeface="+mn-cs"/>
+                        </a:rPr>
+                        <a:t>centers</a:t>
+                      </a:r>
+                      <a:r>
+                        <a:rPr lang="en-GB" sz="1000" b="1" i="0" u="none" strike="noStrike" kern="1200" cap="none" spc="0" normalizeH="0" baseline="0" noProof="0" dirty="0">
+                          <a:ln>
+                            <a:noFill/>
+                          </a:ln>
+                          <a:effectLst/>
+                          <a:uLnTx/>
+                          <a:uFillTx/>
+                          <a:latin typeface="+mn-lt"/>
+                          <a:cs typeface="+mn-cs"/>
+                        </a:rPr>
+                        <a:t> can provide more personalized services for obesity in order to broaden their prospective customers</a:t>
+                      </a:r>
+                    </a:p>
+                    <a:p>
+                      <a:pPr marL="112395" marR="0" lvl="0" indent="-112395" algn="l" defTabSz="914400" rtl="0" eaLnBrk="1" fontAlgn="base" latinLnBrk="0" hangingPunct="1">
+                        <a:lnSpc>
+                          <a:spcPct val="100000"/>
+                        </a:lnSpc>
+                        <a:spcBef>
+                          <a:spcPct val="0"/>
+                        </a:spcBef>
+                        <a:spcAft>
+                          <a:spcPct val="25000"/>
+                        </a:spcAft>
+                        <a:buClrTx/>
+                        <a:buSzTx/>
+                        <a:buFont typeface="Wingdings" pitchFamily="2" charset="2"/>
+                        <a:buChar char="§"/>
+                        <a:tabLst/>
+                        <a:defRPr/>
+                      </a:pPr>
+                      <a:r>
+                        <a:rPr lang="en-GB" sz="1000" b="1" i="0" u="none" strike="noStrike" kern="1200" cap="none" spc="0" normalizeH="0" baseline="0" noProof="0" dirty="0">
+                          <a:ln>
+                            <a:noFill/>
+                          </a:ln>
+                          <a:effectLst/>
+                          <a:uLnTx/>
+                          <a:uFillTx/>
+                          <a:latin typeface="+mn-lt"/>
+                          <a:cs typeface="+mn-cs"/>
+                        </a:rPr>
+                        <a:t>Internet companies can design mobile applications that can help potentially obese people to monitor their weights.</a:t>
+                      </a:r>
                     </a:p>
                     <a:p>
                       <a:pPr marL="112395" marR="0" lvl="0" indent="-112395" algn="l" rtl="0" eaLnBrk="1" fontAlgn="base" latinLnBrk="0" hangingPunct="1">
@@ -3112,7 +3198,7 @@
           <p:nvPr>
             <p:extLst>
               <p:ext uri="{D42A27DB-BD31-4B8C-83A1-F6EECF244321}">
-                <p14:modId xmlns:p14="http://schemas.microsoft.com/office/powerpoint/2010/main" val="339648353"/>
+                <p14:modId xmlns:p14="http://schemas.microsoft.com/office/powerpoint/2010/main" val="1204364505"/>
               </p:ext>
             </p:extLst>
           </p:nvPr>
@@ -3307,14 +3393,65 @@
                         <a:buFont typeface="Wingdings" pitchFamily="2" charset="2"/>
                         <a:buChar char="§"/>
                       </a:pPr>
-                      <a:endParaRPr lang="en-GB" sz="1000" b="1" kern="1200" noProof="0" dirty="0">
-                        <a:solidFill>
-                          <a:schemeClr val="tx1"/>
-                        </a:solidFill>
-                        <a:latin typeface="+mn-lt"/>
-                        <a:ea typeface="+mn-ea"/>
-                        <a:cs typeface="+mn-cs"/>
-                      </a:endParaRPr>
+                      <a:r>
+                        <a:rPr lang="en-GB" sz="1000" b="1" kern="1200" noProof="0" dirty="0">
+                          <a:solidFill>
+                            <a:schemeClr val="tx1"/>
+                          </a:solidFill>
+                          <a:latin typeface="+mn-lt"/>
+                          <a:ea typeface="+mn-ea"/>
+                          <a:cs typeface="+mn-cs"/>
+                        </a:rPr>
+                        <a:t>Used statistical approach and frequency-based detection to find the anomalies in the dataset</a:t>
+                      </a:r>
+                    </a:p>
+                    <a:p>
+                      <a:pPr marL="112395" marR="0" lvl="0" indent="-112395" algn="l" rtl="0" eaLnBrk="1" fontAlgn="base" latinLnBrk="0" hangingPunct="1">
+                        <a:lnSpc>
+                          <a:spcPct val="100000"/>
+                        </a:lnSpc>
+                        <a:spcBef>
+                          <a:spcPct val="0"/>
+                        </a:spcBef>
+                        <a:spcAft>
+                          <a:spcPct val="25000"/>
+                        </a:spcAft>
+                        <a:buFont typeface="Wingdings" pitchFamily="2" charset="2"/>
+                        <a:buChar char="§"/>
+                      </a:pPr>
+                      <a:r>
+                        <a:rPr lang="en-GB" sz="1000" b="1" kern="1200" noProof="0" dirty="0">
+                          <a:solidFill>
+                            <a:schemeClr val="tx1"/>
+                          </a:solidFill>
+                          <a:latin typeface="+mn-lt"/>
+                          <a:ea typeface="+mn-ea"/>
+                          <a:cs typeface="+mn-cs"/>
+                        </a:rPr>
+                        <a:t>Plan to construct classification models to first predict the obesity level based on </a:t>
+                      </a:r>
+                      <a:r>
+                        <a:rPr lang="en-GB" sz="1000" b="1" kern="1200" noProof="0">
+                          <a:solidFill>
+                            <a:schemeClr val="tx1"/>
+                          </a:solidFill>
+                          <a:latin typeface="+mn-lt"/>
+                          <a:ea typeface="+mn-ea"/>
+                          <a:cs typeface="+mn-cs"/>
+                        </a:rPr>
+                        <a:t>eating behaviours </a:t>
+                      </a:r>
+                      <a:r>
+                        <a:rPr lang="en-GB" sz="1000" b="1" kern="1200" noProof="0" dirty="0">
+                          <a:solidFill>
+                            <a:schemeClr val="tx1"/>
+                          </a:solidFill>
+                          <a:latin typeface="+mn-lt"/>
+                          <a:ea typeface="+mn-ea"/>
+                          <a:cs typeface="+mn-cs"/>
+                        </a:rPr>
+                        <a:t>and physical conditions and determine the features that contribute the most to obesity</a:t>
+                      </a:r>
                     </a:p>
                     <a:p>
                       <a:pPr marL="112395" marR="0" lvl="0" indent="-112395" algn="l" rtl="0" eaLnBrk="1" fontAlgn="base" latinLnBrk="0" hangingPunct="1">
@@ -4694,39 +4831,7 @@
                 <a:latin typeface="Arial"/>
                 <a:cs typeface="Arial"/>
               </a:rPr>
-              <a:t> </a:t>
-            </a:r>
-            <a:r>
-              <a:rPr kumimoji="0" lang="de-DE" sz="1000" b="1" i="0" u="none" strike="noStrike" kern="1200" cap="none" spc="0" normalizeH="0" baseline="0" noProof="0" dirty="0" err="1">
-                <a:ln>
-                  <a:noFill/>
-                </a:ln>
-                <a:solidFill>
-                  <a:schemeClr val="tx1"/>
-                </a:solidFill>
-                <a:effectLst/>
-                <a:uLnTx/>
-                <a:uFillTx/>
-                <a:latin typeface="Arial"/>
-                <a:cs typeface="Arial"/>
-              </a:rPr>
-              <a:t>does</a:t>
-            </a:r>
-            <a:r>
-              <a:rPr kumimoji="0" lang="de-DE" sz="1000" b="1" i="0" u="none" strike="noStrike" kern="1200" cap="none" spc="0" normalizeH="0" baseline="0" noProof="0" dirty="0">
-                <a:ln>
-                  <a:noFill/>
-                </a:ln>
-                <a:solidFill>
-                  <a:schemeClr val="tx1"/>
-                </a:solidFill>
-                <a:effectLst/>
-                <a:uLnTx/>
-                <a:uFillTx/>
-                <a:latin typeface="Arial"/>
-                <a:cs typeface="Arial"/>
-              </a:rPr>
-              <a:t> </a:t>
+              <a:t> do </a:t>
             </a:r>
             <a:r>
               <a:rPr kumimoji="0" lang="de-DE" sz="1000" b="1" i="0" u="none" strike="noStrike" kern="1200" cap="none" spc="0" normalizeH="0" baseline="0" noProof="0" dirty="0" err="1">
@@ -5098,7 +5203,7 @@
         <p:spPr bwMode="gray">
           <a:xfrm>
             <a:off x="4934172" y="4239716"/>
-            <a:ext cx="1612348" cy="383637"/>
+            <a:ext cx="1612348" cy="566460"/>
           </a:xfrm>
           <a:prstGeom prst="rect">
             <a:avLst/>
@@ -5151,12 +5256,192 @@
               <a:tabLst/>
               <a:defRPr/>
             </a:pPr>
+            <a:r>
+              <a:rPr lang="de-DE" sz="1000" b="1" dirty="0" err="1">
+                <a:solidFill>
+                  <a:schemeClr val="tx1"/>
+                </a:solidFill>
+                <a:latin typeface="Arial"/>
+                <a:cs typeface="Arial"/>
+              </a:rPr>
+              <a:t>What</a:t>
+            </a:r>
+            <a:r>
+              <a:rPr lang="de-DE" sz="1000" b="1" dirty="0">
+                <a:solidFill>
+                  <a:schemeClr val="tx1"/>
+                </a:solidFill>
+                <a:latin typeface="Arial"/>
+                <a:cs typeface="Arial"/>
+              </a:rPr>
+              <a:t> </a:t>
+            </a:r>
+            <a:r>
+              <a:rPr lang="de-DE" sz="1000" b="1" dirty="0" err="1">
+                <a:solidFill>
+                  <a:schemeClr val="tx1"/>
+                </a:solidFill>
+                <a:latin typeface="Arial"/>
+                <a:cs typeface="Arial"/>
+              </a:rPr>
+              <a:t>are</a:t>
+            </a:r>
+            <a:r>
+              <a:rPr lang="de-DE" sz="1000" b="1" dirty="0">
+                <a:solidFill>
+                  <a:schemeClr val="tx1"/>
+                </a:solidFill>
+                <a:latin typeface="Arial"/>
+                <a:cs typeface="Arial"/>
+              </a:rPr>
+              <a:t> </a:t>
+            </a:r>
+            <a:r>
+              <a:rPr lang="de-DE" sz="1000" b="1" dirty="0" err="1">
+                <a:solidFill>
+                  <a:schemeClr val="tx1"/>
+                </a:solidFill>
+                <a:latin typeface="Arial"/>
+                <a:cs typeface="Arial"/>
+              </a:rPr>
+              <a:t>the</a:t>
+            </a:r>
+            <a:r>
+              <a:rPr lang="de-DE" sz="1000" b="1" dirty="0">
+                <a:solidFill>
+                  <a:schemeClr val="tx1"/>
+                </a:solidFill>
+                <a:latin typeface="Arial"/>
+                <a:cs typeface="Arial"/>
+              </a:rPr>
+              <a:t> </a:t>
+            </a:r>
+            <a:r>
+              <a:rPr lang="de-DE" sz="1000" b="1" dirty="0" err="1">
+                <a:solidFill>
+                  <a:schemeClr val="tx1"/>
+                </a:solidFill>
+                <a:latin typeface="Arial"/>
+                <a:cs typeface="Arial"/>
+              </a:rPr>
+              <a:t>most</a:t>
+            </a:r>
+            <a:r>
+              <a:rPr lang="de-DE" sz="1000" b="1" dirty="0">
+                <a:solidFill>
+                  <a:schemeClr val="tx1"/>
+                </a:solidFill>
+                <a:latin typeface="Arial"/>
+                <a:cs typeface="Arial"/>
+              </a:rPr>
+              <a:t> </a:t>
+            </a:r>
+            <a:r>
+              <a:rPr lang="de-DE" sz="1000" b="1" dirty="0" err="1">
+                <a:solidFill>
+                  <a:schemeClr val="tx1"/>
+                </a:solidFill>
+                <a:latin typeface="Arial"/>
+                <a:cs typeface="Arial"/>
+              </a:rPr>
+              <a:t>important</a:t>
+            </a:r>
+            <a:r>
+              <a:rPr lang="de-DE" sz="1000" b="1" dirty="0">
+                <a:solidFill>
+                  <a:schemeClr val="tx1"/>
+                </a:solidFill>
+                <a:latin typeface="Arial"/>
+                <a:cs typeface="Arial"/>
+              </a:rPr>
+              <a:t> </a:t>
+            </a:r>
+            <a:r>
+              <a:rPr lang="de-DE" sz="1000" b="1" dirty="0" err="1">
+                <a:solidFill>
+                  <a:schemeClr val="tx1"/>
+                </a:solidFill>
+                <a:latin typeface="Arial"/>
+                <a:cs typeface="Arial"/>
+              </a:rPr>
+              <a:t>features</a:t>
+            </a:r>
+            <a:r>
+              <a:rPr lang="de-DE" sz="1000" b="1" dirty="0">
+                <a:solidFill>
+                  <a:schemeClr val="tx1"/>
+                </a:solidFill>
+                <a:latin typeface="Arial"/>
+                <a:cs typeface="Arial"/>
+              </a:rPr>
+              <a:t> </a:t>
+            </a:r>
+            <a:r>
+              <a:rPr lang="de-DE" sz="1000" b="1" dirty="0" err="1">
+                <a:solidFill>
+                  <a:schemeClr val="tx1"/>
+                </a:solidFill>
+                <a:latin typeface="Arial"/>
+                <a:cs typeface="Arial"/>
+              </a:rPr>
+              <a:t>that</a:t>
+            </a:r>
+            <a:r>
+              <a:rPr lang="de-DE" sz="1000" b="1" dirty="0">
+                <a:solidFill>
+                  <a:schemeClr val="tx1"/>
+                </a:solidFill>
+                <a:latin typeface="Arial"/>
+                <a:cs typeface="Arial"/>
+              </a:rPr>
+              <a:t> </a:t>
+            </a:r>
+            <a:r>
+              <a:rPr lang="de-DE" sz="1000" b="1" dirty="0" err="1">
+                <a:solidFill>
+                  <a:schemeClr val="tx1"/>
+                </a:solidFill>
+                <a:latin typeface="Arial"/>
+                <a:cs typeface="Arial"/>
+              </a:rPr>
+              <a:t>cause</a:t>
+            </a:r>
+            <a:r>
+              <a:rPr lang="de-DE" sz="1000" b="1" dirty="0">
+                <a:solidFill>
+                  <a:schemeClr val="tx1"/>
+                </a:solidFill>
+                <a:latin typeface="Arial"/>
+                <a:cs typeface="Arial"/>
+              </a:rPr>
+              <a:t> </a:t>
+            </a:r>
+            <a:r>
+              <a:rPr lang="de-DE" sz="1000" b="1" dirty="0" err="1">
+                <a:solidFill>
+                  <a:schemeClr val="tx1"/>
+                </a:solidFill>
+                <a:latin typeface="Arial"/>
+                <a:cs typeface="Arial"/>
+              </a:rPr>
+              <a:t>obesity</a:t>
+            </a:r>
+            <a:r>
+              <a:rPr lang="de-DE" sz="1000" b="1" dirty="0">
+                <a:solidFill>
+                  <a:schemeClr val="tx1"/>
+                </a:solidFill>
+                <a:latin typeface="Arial"/>
+                <a:cs typeface="Arial"/>
+              </a:rPr>
+              <a:t>?</a:t>
+            </a:r>
             <a:endParaRPr kumimoji="0" lang="de-DE" sz="1000" b="1" i="0" u="none" strike="noStrike" kern="1200" cap="none" spc="0" normalizeH="0" baseline="0" noProof="0" dirty="0">
               <a:ln>
                 <a:noFill/>
               </a:ln>
               <a:solidFill>
-                <a:srgbClr val="CC0000"/>
+                <a:schemeClr val="tx1"/>
               </a:solidFill>
               <a:effectLst/>
               <a:uLnTx/>
